--- a/figures/Chapter 6 - Implementing a Dictionary/6.7 Using Ternary Search Trees.pptx
+++ b/figures/Chapter 6 - Implementing a Dictionary/6.7 Using Ternary Search Trees.pptx
@@ -161,10 +161,9 @@
           </a:lstStyle>
           <a:p>
             <a:r>
-              <a:rPr lang="en-US" smtClean="0"/>
+              <a:rPr lang="en-US"/>
               <a:t>Click to edit Master title style</a:t>
             </a:r>
-            <a:endParaRPr lang="en-US"/>
           </a:p>
         </p:txBody>
       </p:sp>
@@ -226,10 +225,9 @@
           </a:lstStyle>
           <a:p>
             <a:r>
-              <a:rPr lang="en-US" smtClean="0"/>
+              <a:rPr lang="en-US"/>
               <a:t>Click to edit Master subtitle style</a:t>
             </a:r>
-            <a:endParaRPr lang="en-US"/>
           </a:p>
         </p:txBody>
       </p:sp>
@@ -250,7 +248,7 @@
           <a:p>
             <a:fld id="{6F6848EA-1330-4482-9267-AB3643ACFD86}" type="datetimeFigureOut">
               <a:rPr lang="en-US" smtClean="0"/>
-              <a:t>9/13/16</a:t>
+              <a:t>5/8/18</a:t>
             </a:fld>
             <a:endParaRPr lang="en-US"/>
           </a:p>
@@ -344,10 +342,9 @@
           <a:lstStyle/>
           <a:p>
             <a:r>
-              <a:rPr lang="en-US" smtClean="0"/>
+              <a:rPr lang="en-US"/>
               <a:t>Click to edit Master title style</a:t>
             </a:r>
-            <a:endParaRPr lang="en-US"/>
           </a:p>
         </p:txBody>
       </p:sp>
@@ -368,38 +365,37 @@
           <a:p>
             <a:pPr lvl="0"/>
             <a:r>
-              <a:rPr lang="en-US" smtClean="0"/>
+              <a:rPr lang="en-US"/>
               <a:t>Click to edit Master text styles</a:t>
             </a:r>
           </a:p>
           <a:p>
             <a:pPr lvl="1"/>
             <a:r>
-              <a:rPr lang="en-US" smtClean="0"/>
+              <a:rPr lang="en-US"/>
               <a:t>Second level</a:t>
             </a:r>
           </a:p>
           <a:p>
             <a:pPr lvl="2"/>
             <a:r>
-              <a:rPr lang="en-US" smtClean="0"/>
+              <a:rPr lang="en-US"/>
               <a:t>Third level</a:t>
             </a:r>
           </a:p>
           <a:p>
             <a:pPr lvl="3"/>
             <a:r>
-              <a:rPr lang="en-US" smtClean="0"/>
+              <a:rPr lang="en-US"/>
               <a:t>Fourth level</a:t>
             </a:r>
           </a:p>
           <a:p>
             <a:pPr lvl="4"/>
             <a:r>
-              <a:rPr lang="en-US" smtClean="0"/>
+              <a:rPr lang="en-US"/>
               <a:t>Fifth level</a:t>
             </a:r>
-            <a:endParaRPr lang="en-US"/>
           </a:p>
         </p:txBody>
       </p:sp>
@@ -420,7 +416,7 @@
           <a:p>
             <a:fld id="{6F6848EA-1330-4482-9267-AB3643ACFD86}" type="datetimeFigureOut">
               <a:rPr lang="en-US" smtClean="0"/>
-              <a:t>9/13/16</a:t>
+              <a:t>5/8/18</a:t>
             </a:fld>
             <a:endParaRPr lang="en-US"/>
           </a:p>
@@ -519,10 +515,9 @@
           <a:lstStyle/>
           <a:p>
             <a:r>
-              <a:rPr lang="en-US" smtClean="0"/>
+              <a:rPr lang="en-US"/>
               <a:t>Click to edit Master title style</a:t>
             </a:r>
-            <a:endParaRPr lang="en-US"/>
           </a:p>
         </p:txBody>
       </p:sp>
@@ -548,38 +543,37 @@
           <a:p>
             <a:pPr lvl="0"/>
             <a:r>
-              <a:rPr lang="en-US" smtClean="0"/>
+              <a:rPr lang="en-US"/>
               <a:t>Click to edit Master text styles</a:t>
             </a:r>
           </a:p>
           <a:p>
             <a:pPr lvl="1"/>
             <a:r>
-              <a:rPr lang="en-US" smtClean="0"/>
+              <a:rPr lang="en-US"/>
               <a:t>Second level</a:t>
             </a:r>
           </a:p>
           <a:p>
             <a:pPr lvl="2"/>
             <a:r>
-              <a:rPr lang="en-US" smtClean="0"/>
+              <a:rPr lang="en-US"/>
               <a:t>Third level</a:t>
             </a:r>
           </a:p>
           <a:p>
             <a:pPr lvl="3"/>
             <a:r>
-              <a:rPr lang="en-US" smtClean="0"/>
+              <a:rPr lang="en-US"/>
               <a:t>Fourth level</a:t>
             </a:r>
           </a:p>
           <a:p>
             <a:pPr lvl="4"/>
             <a:r>
-              <a:rPr lang="en-US" smtClean="0"/>
+              <a:rPr lang="en-US"/>
               <a:t>Fifth level</a:t>
             </a:r>
-            <a:endParaRPr lang="en-US"/>
           </a:p>
         </p:txBody>
       </p:sp>
@@ -600,7 +594,7 @@
           <a:p>
             <a:fld id="{6F6848EA-1330-4482-9267-AB3643ACFD86}" type="datetimeFigureOut">
               <a:rPr lang="en-US" smtClean="0"/>
-              <a:t>9/13/16</a:t>
+              <a:t>5/8/18</a:t>
             </a:fld>
             <a:endParaRPr lang="en-US"/>
           </a:p>
@@ -694,10 +688,9 @@
           <a:lstStyle/>
           <a:p>
             <a:r>
-              <a:rPr lang="en-US" smtClean="0"/>
+              <a:rPr lang="en-US"/>
               <a:t>Click to edit Master title style</a:t>
             </a:r>
-            <a:endParaRPr lang="en-US"/>
           </a:p>
         </p:txBody>
       </p:sp>
@@ -718,38 +711,37 @@
           <a:p>
             <a:pPr lvl="0"/>
             <a:r>
-              <a:rPr lang="en-US" smtClean="0"/>
+              <a:rPr lang="en-US"/>
               <a:t>Click to edit Master text styles</a:t>
             </a:r>
           </a:p>
           <a:p>
             <a:pPr lvl="1"/>
             <a:r>
-              <a:rPr lang="en-US" smtClean="0"/>
+              <a:rPr lang="en-US"/>
               <a:t>Second level</a:t>
             </a:r>
           </a:p>
           <a:p>
             <a:pPr lvl="2"/>
             <a:r>
-              <a:rPr lang="en-US" smtClean="0"/>
+              <a:rPr lang="en-US"/>
               <a:t>Third level</a:t>
             </a:r>
           </a:p>
           <a:p>
             <a:pPr lvl="3"/>
             <a:r>
-              <a:rPr lang="en-US" smtClean="0"/>
+              <a:rPr lang="en-US"/>
               <a:t>Fourth level</a:t>
             </a:r>
           </a:p>
           <a:p>
             <a:pPr lvl="4"/>
             <a:r>
-              <a:rPr lang="en-US" smtClean="0"/>
+              <a:rPr lang="en-US"/>
               <a:t>Fifth level</a:t>
             </a:r>
-            <a:endParaRPr lang="en-US"/>
           </a:p>
         </p:txBody>
       </p:sp>
@@ -770,7 +762,7 @@
           <a:p>
             <a:fld id="{6F6848EA-1330-4482-9267-AB3643ACFD86}" type="datetimeFigureOut">
               <a:rPr lang="en-US" smtClean="0"/>
-              <a:t>9/13/16</a:t>
+              <a:t>5/8/18</a:t>
             </a:fld>
             <a:endParaRPr lang="en-US"/>
           </a:p>
@@ -873,10 +865,9 @@
           </a:lstStyle>
           <a:p>
             <a:r>
-              <a:rPr lang="en-US" smtClean="0"/>
+              <a:rPr lang="en-US"/>
               <a:t>Click to edit Master title style</a:t>
             </a:r>
-            <a:endParaRPr lang="en-US"/>
           </a:p>
         </p:txBody>
       </p:sp>
@@ -993,7 +984,7 @@
           <a:p>
             <a:pPr lvl="0"/>
             <a:r>
-              <a:rPr lang="en-US" smtClean="0"/>
+              <a:rPr lang="en-US"/>
               <a:t>Click to edit Master text styles</a:t>
             </a:r>
           </a:p>
@@ -1016,7 +1007,7 @@
           <a:p>
             <a:fld id="{6F6848EA-1330-4482-9267-AB3643ACFD86}" type="datetimeFigureOut">
               <a:rPr lang="en-US" smtClean="0"/>
-              <a:t>9/13/16</a:t>
+              <a:t>5/8/18</a:t>
             </a:fld>
             <a:endParaRPr lang="en-US"/>
           </a:p>
@@ -1110,10 +1101,9 @@
           <a:lstStyle/>
           <a:p>
             <a:r>
-              <a:rPr lang="en-US" smtClean="0"/>
+              <a:rPr lang="en-US"/>
               <a:t>Click to edit Master title style</a:t>
             </a:r>
-            <a:endParaRPr lang="en-US"/>
           </a:p>
         </p:txBody>
       </p:sp>
@@ -1139,38 +1129,37 @@
           <a:p>
             <a:pPr lvl="0"/>
             <a:r>
-              <a:rPr lang="en-US" smtClean="0"/>
+              <a:rPr lang="en-US"/>
               <a:t>Click to edit Master text styles</a:t>
             </a:r>
           </a:p>
           <a:p>
             <a:pPr lvl="1"/>
             <a:r>
-              <a:rPr lang="en-US" smtClean="0"/>
+              <a:rPr lang="en-US"/>
               <a:t>Second level</a:t>
             </a:r>
           </a:p>
           <a:p>
             <a:pPr lvl="2"/>
             <a:r>
-              <a:rPr lang="en-US" smtClean="0"/>
+              <a:rPr lang="en-US"/>
               <a:t>Third level</a:t>
             </a:r>
           </a:p>
           <a:p>
             <a:pPr lvl="3"/>
             <a:r>
-              <a:rPr lang="en-US" smtClean="0"/>
+              <a:rPr lang="en-US"/>
               <a:t>Fourth level</a:t>
             </a:r>
           </a:p>
           <a:p>
             <a:pPr lvl="4"/>
             <a:r>
-              <a:rPr lang="en-US" smtClean="0"/>
+              <a:rPr lang="en-US"/>
               <a:t>Fifth level</a:t>
             </a:r>
-            <a:endParaRPr lang="en-US"/>
           </a:p>
         </p:txBody>
       </p:sp>
@@ -1196,38 +1185,37 @@
           <a:p>
             <a:pPr lvl="0"/>
             <a:r>
-              <a:rPr lang="en-US" smtClean="0"/>
+              <a:rPr lang="en-US"/>
               <a:t>Click to edit Master text styles</a:t>
             </a:r>
           </a:p>
           <a:p>
             <a:pPr lvl="1"/>
             <a:r>
-              <a:rPr lang="en-US" smtClean="0"/>
+              <a:rPr lang="en-US"/>
               <a:t>Second level</a:t>
             </a:r>
           </a:p>
           <a:p>
             <a:pPr lvl="2"/>
             <a:r>
-              <a:rPr lang="en-US" smtClean="0"/>
+              <a:rPr lang="en-US"/>
               <a:t>Third level</a:t>
             </a:r>
           </a:p>
           <a:p>
             <a:pPr lvl="3"/>
             <a:r>
-              <a:rPr lang="en-US" smtClean="0"/>
+              <a:rPr lang="en-US"/>
               <a:t>Fourth level</a:t>
             </a:r>
           </a:p>
           <a:p>
             <a:pPr lvl="4"/>
             <a:r>
-              <a:rPr lang="en-US" smtClean="0"/>
+              <a:rPr lang="en-US"/>
               <a:t>Fifth level</a:t>
             </a:r>
-            <a:endParaRPr lang="en-US"/>
           </a:p>
         </p:txBody>
       </p:sp>
@@ -1248,7 +1236,7 @@
           <a:p>
             <a:fld id="{6F6848EA-1330-4482-9267-AB3643ACFD86}" type="datetimeFigureOut">
               <a:rPr lang="en-US" smtClean="0"/>
-              <a:t>9/13/16</a:t>
+              <a:t>5/8/18</a:t>
             </a:fld>
             <a:endParaRPr lang="en-US"/>
           </a:p>
@@ -1347,10 +1335,9 @@
           <a:lstStyle/>
           <a:p>
             <a:r>
-              <a:rPr lang="en-US" smtClean="0"/>
+              <a:rPr lang="en-US"/>
               <a:t>Click to edit Master title style</a:t>
             </a:r>
-            <a:endParaRPr lang="en-US"/>
           </a:p>
         </p:txBody>
       </p:sp>
@@ -1413,7 +1400,7 @@
           <a:p>
             <a:pPr lvl="0"/>
             <a:r>
-              <a:rPr lang="en-US" smtClean="0"/>
+              <a:rPr lang="en-US"/>
               <a:t>Click to edit Master text styles</a:t>
             </a:r>
           </a:p>
@@ -1441,38 +1428,37 @@
           <a:p>
             <a:pPr lvl="0"/>
             <a:r>
-              <a:rPr lang="en-US" smtClean="0"/>
+              <a:rPr lang="en-US"/>
               <a:t>Click to edit Master text styles</a:t>
             </a:r>
           </a:p>
           <a:p>
             <a:pPr lvl="1"/>
             <a:r>
-              <a:rPr lang="en-US" smtClean="0"/>
+              <a:rPr lang="en-US"/>
               <a:t>Second level</a:t>
             </a:r>
           </a:p>
           <a:p>
             <a:pPr lvl="2"/>
             <a:r>
-              <a:rPr lang="en-US" smtClean="0"/>
+              <a:rPr lang="en-US"/>
               <a:t>Third level</a:t>
             </a:r>
           </a:p>
           <a:p>
             <a:pPr lvl="3"/>
             <a:r>
-              <a:rPr lang="en-US" smtClean="0"/>
+              <a:rPr lang="en-US"/>
               <a:t>Fourth level</a:t>
             </a:r>
           </a:p>
           <a:p>
             <a:pPr lvl="4"/>
             <a:r>
-              <a:rPr lang="en-US" smtClean="0"/>
+              <a:rPr lang="en-US"/>
               <a:t>Fifth level</a:t>
             </a:r>
-            <a:endParaRPr lang="en-US"/>
           </a:p>
         </p:txBody>
       </p:sp>
@@ -1535,7 +1521,7 @@
           <a:p>
             <a:pPr lvl="0"/>
             <a:r>
-              <a:rPr lang="en-US" smtClean="0"/>
+              <a:rPr lang="en-US"/>
               <a:t>Click to edit Master text styles</a:t>
             </a:r>
           </a:p>
@@ -1563,38 +1549,37 @@
           <a:p>
             <a:pPr lvl="0"/>
             <a:r>
-              <a:rPr lang="en-US" smtClean="0"/>
+              <a:rPr lang="en-US"/>
               <a:t>Click to edit Master text styles</a:t>
             </a:r>
           </a:p>
           <a:p>
             <a:pPr lvl="1"/>
             <a:r>
-              <a:rPr lang="en-US" smtClean="0"/>
+              <a:rPr lang="en-US"/>
               <a:t>Second level</a:t>
             </a:r>
           </a:p>
           <a:p>
             <a:pPr lvl="2"/>
             <a:r>
-              <a:rPr lang="en-US" smtClean="0"/>
+              <a:rPr lang="en-US"/>
               <a:t>Third level</a:t>
             </a:r>
           </a:p>
           <a:p>
             <a:pPr lvl="3"/>
             <a:r>
-              <a:rPr lang="en-US" smtClean="0"/>
+              <a:rPr lang="en-US"/>
               <a:t>Fourth level</a:t>
             </a:r>
           </a:p>
           <a:p>
             <a:pPr lvl="4"/>
             <a:r>
-              <a:rPr lang="en-US" smtClean="0"/>
+              <a:rPr lang="en-US"/>
               <a:t>Fifth level</a:t>
             </a:r>
-            <a:endParaRPr lang="en-US"/>
           </a:p>
         </p:txBody>
       </p:sp>
@@ -1615,7 +1600,7 @@
           <a:p>
             <a:fld id="{6F6848EA-1330-4482-9267-AB3643ACFD86}" type="datetimeFigureOut">
               <a:rPr lang="en-US" smtClean="0"/>
-              <a:t>9/13/16</a:t>
+              <a:t>5/8/18</a:t>
             </a:fld>
             <a:endParaRPr lang="en-US"/>
           </a:p>
@@ -1709,10 +1694,9 @@
           <a:lstStyle/>
           <a:p>
             <a:r>
-              <a:rPr lang="en-US" smtClean="0"/>
+              <a:rPr lang="en-US"/>
               <a:t>Click to edit Master title style</a:t>
             </a:r>
-            <a:endParaRPr lang="en-US"/>
           </a:p>
         </p:txBody>
       </p:sp>
@@ -1733,7 +1717,7 @@
           <a:p>
             <a:fld id="{6F6848EA-1330-4482-9267-AB3643ACFD86}" type="datetimeFigureOut">
               <a:rPr lang="en-US" smtClean="0"/>
-              <a:t>9/13/16</a:t>
+              <a:t>5/8/18</a:t>
             </a:fld>
             <a:endParaRPr lang="en-US"/>
           </a:p>
@@ -1828,7 +1812,7 @@
           <a:p>
             <a:fld id="{6F6848EA-1330-4482-9267-AB3643ACFD86}" type="datetimeFigureOut">
               <a:rPr lang="en-US" smtClean="0"/>
-              <a:t>9/13/16</a:t>
+              <a:t>5/8/18</a:t>
             </a:fld>
             <a:endParaRPr lang="en-US"/>
           </a:p>
@@ -1931,10 +1915,9 @@
           </a:lstStyle>
           <a:p>
             <a:r>
-              <a:rPr lang="en-US" smtClean="0"/>
+              <a:rPr lang="en-US"/>
               <a:t>Click to edit Master title style</a:t>
             </a:r>
-            <a:endParaRPr lang="en-US"/>
           </a:p>
         </p:txBody>
       </p:sp>
@@ -1988,38 +1971,37 @@
           <a:p>
             <a:pPr lvl="0"/>
             <a:r>
-              <a:rPr lang="en-US" smtClean="0"/>
+              <a:rPr lang="en-US"/>
               <a:t>Click to edit Master text styles</a:t>
             </a:r>
           </a:p>
           <a:p>
             <a:pPr lvl="1"/>
             <a:r>
-              <a:rPr lang="en-US" smtClean="0"/>
+              <a:rPr lang="en-US"/>
               <a:t>Second level</a:t>
             </a:r>
           </a:p>
           <a:p>
             <a:pPr lvl="2"/>
             <a:r>
-              <a:rPr lang="en-US" smtClean="0"/>
+              <a:rPr lang="en-US"/>
               <a:t>Third level</a:t>
             </a:r>
           </a:p>
           <a:p>
             <a:pPr lvl="3"/>
             <a:r>
-              <a:rPr lang="en-US" smtClean="0"/>
+              <a:rPr lang="en-US"/>
               <a:t>Fourth level</a:t>
             </a:r>
           </a:p>
           <a:p>
             <a:pPr lvl="4"/>
             <a:r>
-              <a:rPr lang="en-US" smtClean="0"/>
+              <a:rPr lang="en-US"/>
               <a:t>Fifth level</a:t>
             </a:r>
-            <a:endParaRPr lang="en-US"/>
           </a:p>
         </p:txBody>
       </p:sp>
@@ -2082,7 +2064,7 @@
           <a:p>
             <a:pPr lvl="0"/>
             <a:r>
-              <a:rPr lang="en-US" smtClean="0"/>
+              <a:rPr lang="en-US"/>
               <a:t>Click to edit Master text styles</a:t>
             </a:r>
           </a:p>
@@ -2105,7 +2087,7 @@
           <a:p>
             <a:fld id="{6F6848EA-1330-4482-9267-AB3643ACFD86}" type="datetimeFigureOut">
               <a:rPr lang="en-US" smtClean="0"/>
-              <a:t>9/13/16</a:t>
+              <a:t>5/8/18</a:t>
             </a:fld>
             <a:endParaRPr lang="en-US"/>
           </a:p>
@@ -2208,10 +2190,9 @@
           </a:lstStyle>
           <a:p>
             <a:r>
-              <a:rPr lang="en-US" smtClean="0"/>
+              <a:rPr lang="en-US"/>
               <a:t>Click to edit Master title style</a:t>
             </a:r>
-            <a:endParaRPr lang="en-US"/>
           </a:p>
         </p:txBody>
       </p:sp>
@@ -2335,7 +2316,7 @@
           <a:p>
             <a:pPr lvl="0"/>
             <a:r>
-              <a:rPr lang="en-US" smtClean="0"/>
+              <a:rPr lang="en-US"/>
               <a:t>Click to edit Master text styles</a:t>
             </a:r>
           </a:p>
@@ -2358,7 +2339,7 @@
           <a:p>
             <a:fld id="{6F6848EA-1330-4482-9267-AB3643ACFD86}" type="datetimeFigureOut">
               <a:rPr lang="en-US" smtClean="0"/>
-              <a:t>9/13/16</a:t>
+              <a:t>5/8/18</a:t>
             </a:fld>
             <a:endParaRPr lang="en-US"/>
           </a:p>
@@ -2467,10 +2448,9 @@
           <a:lstStyle/>
           <a:p>
             <a:r>
-              <a:rPr lang="en-US" smtClean="0"/>
+              <a:rPr lang="en-US"/>
               <a:t>Click to edit Master title style</a:t>
             </a:r>
-            <a:endParaRPr lang="en-US"/>
           </a:p>
         </p:txBody>
       </p:sp>
@@ -2501,38 +2481,37 @@
           <a:p>
             <a:pPr lvl="0"/>
             <a:r>
-              <a:rPr lang="en-US" smtClean="0"/>
+              <a:rPr lang="en-US"/>
               <a:t>Click to edit Master text styles</a:t>
             </a:r>
           </a:p>
           <a:p>
             <a:pPr lvl="1"/>
             <a:r>
-              <a:rPr lang="en-US" smtClean="0"/>
+              <a:rPr lang="en-US"/>
               <a:t>Second level</a:t>
             </a:r>
           </a:p>
           <a:p>
             <a:pPr lvl="2"/>
             <a:r>
-              <a:rPr lang="en-US" smtClean="0"/>
+              <a:rPr lang="en-US"/>
               <a:t>Third level</a:t>
             </a:r>
           </a:p>
           <a:p>
             <a:pPr lvl="3"/>
             <a:r>
-              <a:rPr lang="en-US" smtClean="0"/>
+              <a:rPr lang="en-US"/>
               <a:t>Fourth level</a:t>
             </a:r>
           </a:p>
           <a:p>
             <a:pPr lvl="4"/>
             <a:r>
-              <a:rPr lang="en-US" smtClean="0"/>
+              <a:rPr lang="en-US"/>
               <a:t>Fifth level</a:t>
             </a:r>
-            <a:endParaRPr lang="en-US"/>
           </a:p>
         </p:txBody>
       </p:sp>
@@ -2571,7 +2550,7 @@
           <a:p>
             <a:fld id="{6F6848EA-1330-4482-9267-AB3643ACFD86}" type="datetimeFigureOut">
               <a:rPr lang="en-US" smtClean="0"/>
-              <a:t>9/13/16</a:t>
+              <a:t>5/8/18</a:t>
             </a:fld>
             <a:endParaRPr lang="en-US"/>
           </a:p>
@@ -3073,18 +3052,13 @@
           <a:p>
             <a:pPr algn="ctr"/>
             <a:r>
-              <a:rPr lang="en-US" sz="2800" dirty="0" smtClean="0">
+              <a:rPr lang="en-US" sz="2800" dirty="0">
                 <a:solidFill>
                   <a:schemeClr val="tx1"/>
                 </a:solidFill>
               </a:rPr>
               <a:t>c</a:t>
             </a:r>
-            <a:endParaRPr lang="en-US" sz="2800" dirty="0">
-              <a:solidFill>
-                <a:schemeClr val="tx1"/>
-              </a:solidFill>
-            </a:endParaRPr>
           </a:p>
         </p:txBody>
       </p:sp>
@@ -3170,18 +3144,13 @@
           <a:p>
             <a:pPr algn="ctr"/>
             <a:r>
-              <a:rPr lang="en-US" sz="2800" dirty="0" smtClean="0">
+              <a:rPr lang="en-US" sz="2800" dirty="0">
                 <a:solidFill>
                   <a:schemeClr val="tx1"/>
                 </a:solidFill>
               </a:rPr>
               <a:t>a</a:t>
             </a:r>
-            <a:endParaRPr lang="en-US" sz="2800" dirty="0">
-              <a:solidFill>
-                <a:schemeClr val="tx1"/>
-              </a:solidFill>
-            </a:endParaRPr>
           </a:p>
         </p:txBody>
       </p:sp>
@@ -3267,18 +3236,13 @@
           <a:p>
             <a:pPr algn="ctr"/>
             <a:r>
-              <a:rPr lang="en-US" sz="2800" dirty="0" smtClean="0">
+              <a:rPr lang="en-US" sz="2800" dirty="0">
                 <a:solidFill>
                   <a:schemeClr val="tx1"/>
                 </a:solidFill>
               </a:rPr>
               <a:t>i</a:t>
             </a:r>
-            <a:endParaRPr lang="en-US" sz="2800" dirty="0">
-              <a:solidFill>
-                <a:schemeClr val="tx1"/>
-              </a:solidFill>
-            </a:endParaRPr>
           </a:p>
         </p:txBody>
       </p:sp>
@@ -3364,18 +3328,13 @@
           <a:p>
             <a:pPr algn="ctr"/>
             <a:r>
-              <a:rPr lang="en-US" sz="2800" dirty="0" smtClean="0">
+              <a:rPr lang="en-US" sz="2800" dirty="0">
                 <a:solidFill>
                   <a:schemeClr val="tx1"/>
                 </a:solidFill>
               </a:rPr>
               <a:t>m</a:t>
             </a:r>
-            <a:endParaRPr lang="en-US" sz="2800" dirty="0">
-              <a:solidFill>
-                <a:schemeClr val="tx1"/>
-              </a:solidFill>
-            </a:endParaRPr>
           </a:p>
         </p:txBody>
       </p:sp>
@@ -3461,18 +3420,13 @@
           <a:p>
             <a:pPr algn="ctr"/>
             <a:r>
-              <a:rPr lang="en-US" sz="2800" dirty="0" smtClean="0">
+              <a:rPr lang="en-US" sz="2800" dirty="0">
                 <a:solidFill>
                   <a:schemeClr val="tx1"/>
                 </a:solidFill>
               </a:rPr>
               <a:t>e</a:t>
             </a:r>
-            <a:endParaRPr lang="en-US" sz="2800" dirty="0">
-              <a:solidFill>
-                <a:schemeClr val="tx1"/>
-              </a:solidFill>
-            </a:endParaRPr>
           </a:p>
         </p:txBody>
       </p:sp>
@@ -3558,18 +3512,13 @@
           <a:p>
             <a:pPr algn="ctr"/>
             <a:r>
-              <a:rPr lang="en-US" sz="2800" dirty="0" smtClean="0">
+              <a:rPr lang="en-US" sz="2800" dirty="0">
                 <a:solidFill>
                   <a:schemeClr val="tx1"/>
                 </a:solidFill>
               </a:rPr>
               <a:t>l</a:t>
             </a:r>
-            <a:endParaRPr lang="en-US" sz="2800" dirty="0">
-              <a:solidFill>
-                <a:schemeClr val="tx1"/>
-              </a:solidFill>
-            </a:endParaRPr>
           </a:p>
         </p:txBody>
       </p:sp>
@@ -3655,18 +3604,13 @@
           <a:p>
             <a:pPr algn="ctr"/>
             <a:r>
-              <a:rPr lang="en-US" sz="2800" dirty="0" smtClean="0">
+              <a:rPr lang="en-US" sz="2800" dirty="0">
                 <a:solidFill>
                   <a:schemeClr val="tx1"/>
                 </a:solidFill>
               </a:rPr>
               <a:t>l</a:t>
             </a:r>
-            <a:endParaRPr lang="en-US" sz="2800" dirty="0">
-              <a:solidFill>
-                <a:schemeClr val="tx1"/>
-              </a:solidFill>
-            </a:endParaRPr>
           </a:p>
         </p:txBody>
       </p:sp>
@@ -3752,18 +3696,13 @@
           <a:p>
             <a:pPr algn="ctr"/>
             <a:r>
-              <a:rPr lang="en-US" sz="2800" dirty="0" smtClean="0">
+              <a:rPr lang="en-US" sz="2800" dirty="0">
                 <a:solidFill>
                   <a:schemeClr val="tx1"/>
                 </a:solidFill>
               </a:rPr>
               <a:t>n</a:t>
             </a:r>
-            <a:endParaRPr lang="en-US" sz="2800" dirty="0">
-              <a:solidFill>
-                <a:schemeClr val="tx1"/>
-              </a:solidFill>
-            </a:endParaRPr>
           </a:p>
         </p:txBody>
       </p:sp>
@@ -3849,18 +3788,13 @@
           <a:p>
             <a:pPr algn="ctr"/>
             <a:r>
-              <a:rPr lang="en-US" sz="2800" dirty="0" smtClean="0">
+              <a:rPr lang="en-US" sz="2800" dirty="0">
                 <a:solidFill>
                   <a:schemeClr val="tx1"/>
                 </a:solidFill>
               </a:rPr>
               <a:t>d</a:t>
             </a:r>
-            <a:endParaRPr lang="en-US" sz="2800" dirty="0">
-              <a:solidFill>
-                <a:schemeClr val="tx1"/>
-              </a:solidFill>
-            </a:endParaRPr>
           </a:p>
         </p:txBody>
       </p:sp>
@@ -3946,18 +3880,13 @@
           <a:p>
             <a:pPr algn="ctr"/>
             <a:r>
-              <a:rPr lang="en-US" sz="2800" dirty="0" smtClean="0">
+              <a:rPr lang="en-US" sz="2800" dirty="0">
                 <a:solidFill>
                   <a:schemeClr val="tx1"/>
                 </a:solidFill>
               </a:rPr>
               <a:t>d</a:t>
             </a:r>
-            <a:endParaRPr lang="en-US" sz="2800" dirty="0">
-              <a:solidFill>
-                <a:schemeClr val="tx1"/>
-              </a:solidFill>
-            </a:endParaRPr>
           </a:p>
         </p:txBody>
       </p:sp>
@@ -4034,18 +3963,13 @@
           <a:p>
             <a:pPr algn="ctr"/>
             <a:r>
-              <a:rPr lang="en-US" sz="2800" dirty="0" smtClean="0">
+              <a:rPr lang="en-US" sz="2800" dirty="0">
                 <a:solidFill>
                   <a:schemeClr val="tx1"/>
                 </a:solidFill>
               </a:rPr>
               <a:t>c</a:t>
             </a:r>
-            <a:endParaRPr lang="en-US" sz="2800" dirty="0">
-              <a:solidFill>
-                <a:schemeClr val="tx1"/>
-              </a:solidFill>
-            </a:endParaRPr>
           </a:p>
         </p:txBody>
       </p:sp>
@@ -4131,18 +4055,13 @@
           <a:p>
             <a:pPr algn="ctr"/>
             <a:r>
-              <a:rPr lang="en-US" sz="2800" dirty="0" smtClean="0">
+              <a:rPr lang="en-US" sz="2800" dirty="0">
                 <a:solidFill>
                   <a:schemeClr val="tx1"/>
                 </a:solidFill>
               </a:rPr>
               <a:t>a</a:t>
             </a:r>
-            <a:endParaRPr lang="en-US" sz="2800" dirty="0">
-              <a:solidFill>
-                <a:schemeClr val="tx1"/>
-              </a:solidFill>
-            </a:endParaRPr>
           </a:p>
         </p:txBody>
       </p:sp>
@@ -4228,18 +4147,13 @@
           <a:p>
             <a:pPr algn="ctr"/>
             <a:r>
-              <a:rPr lang="en-US" sz="2800" dirty="0" smtClean="0">
+              <a:rPr lang="en-US" sz="2800" dirty="0">
                 <a:solidFill>
                   <a:schemeClr val="tx1"/>
                 </a:solidFill>
               </a:rPr>
               <a:t>i</a:t>
             </a:r>
-            <a:endParaRPr lang="en-US" sz="2800" dirty="0">
-              <a:solidFill>
-                <a:schemeClr val="tx1"/>
-              </a:solidFill>
-            </a:endParaRPr>
           </a:p>
         </p:txBody>
       </p:sp>
@@ -4325,18 +4239,13 @@
           <a:p>
             <a:pPr algn="ctr"/>
             <a:r>
-              <a:rPr lang="en-US" sz="2800" dirty="0" smtClean="0">
+              <a:rPr lang="en-US" sz="2800" dirty="0">
                 <a:solidFill>
                   <a:schemeClr val="tx1"/>
                 </a:solidFill>
               </a:rPr>
               <a:t>m</a:t>
             </a:r>
-            <a:endParaRPr lang="en-US" sz="2800" dirty="0">
-              <a:solidFill>
-                <a:schemeClr val="tx1"/>
-              </a:solidFill>
-            </a:endParaRPr>
           </a:p>
         </p:txBody>
       </p:sp>
@@ -4422,18 +4331,13 @@
           <a:p>
             <a:pPr algn="ctr"/>
             <a:r>
-              <a:rPr lang="en-US" sz="2800" dirty="0" smtClean="0">
+              <a:rPr lang="en-US" sz="2800" dirty="0">
                 <a:solidFill>
                   <a:schemeClr val="tx1"/>
                 </a:solidFill>
               </a:rPr>
               <a:t>e</a:t>
             </a:r>
-            <a:endParaRPr lang="en-US" sz="2800" dirty="0">
-              <a:solidFill>
-                <a:schemeClr val="tx1"/>
-              </a:solidFill>
-            </a:endParaRPr>
           </a:p>
         </p:txBody>
       </p:sp>
@@ -4519,18 +4423,13 @@
           <a:p>
             <a:pPr algn="ctr"/>
             <a:r>
-              <a:rPr lang="en-US" sz="2800" dirty="0" smtClean="0">
+              <a:rPr lang="en-US" sz="2800" dirty="0">
                 <a:solidFill>
                   <a:schemeClr val="tx1"/>
                 </a:solidFill>
               </a:rPr>
               <a:t>l</a:t>
             </a:r>
-            <a:endParaRPr lang="en-US" sz="2800" dirty="0">
-              <a:solidFill>
-                <a:schemeClr val="tx1"/>
-              </a:solidFill>
-            </a:endParaRPr>
           </a:p>
         </p:txBody>
       </p:sp>
@@ -4616,18 +4515,13 @@
           <a:p>
             <a:pPr algn="ctr"/>
             <a:r>
-              <a:rPr lang="en-US" sz="2800" dirty="0" smtClean="0">
+              <a:rPr lang="en-US" sz="2800" dirty="0">
                 <a:solidFill>
                   <a:schemeClr val="tx1"/>
                 </a:solidFill>
               </a:rPr>
               <a:t>l</a:t>
             </a:r>
-            <a:endParaRPr lang="en-US" sz="2800" dirty="0">
-              <a:solidFill>
-                <a:schemeClr val="tx1"/>
-              </a:solidFill>
-            </a:endParaRPr>
           </a:p>
         </p:txBody>
       </p:sp>
@@ -4713,18 +4607,13 @@
           <a:p>
             <a:pPr algn="ctr"/>
             <a:r>
-              <a:rPr lang="en-US" sz="2800" dirty="0" smtClean="0">
+              <a:rPr lang="en-US" sz="2800" dirty="0">
                 <a:solidFill>
                   <a:schemeClr val="tx1"/>
                 </a:solidFill>
               </a:rPr>
               <a:t>n</a:t>
             </a:r>
-            <a:endParaRPr lang="en-US" sz="2800" dirty="0">
-              <a:solidFill>
-                <a:schemeClr val="tx1"/>
-              </a:solidFill>
-            </a:endParaRPr>
           </a:p>
         </p:txBody>
       </p:sp>
@@ -4810,18 +4699,13 @@
           <a:p>
             <a:pPr algn="ctr"/>
             <a:r>
-              <a:rPr lang="en-US" sz="2800" dirty="0" smtClean="0">
+              <a:rPr lang="en-US" sz="2800" dirty="0">
                 <a:solidFill>
                   <a:schemeClr val="tx1"/>
                 </a:solidFill>
               </a:rPr>
               <a:t>d</a:t>
             </a:r>
-            <a:endParaRPr lang="en-US" sz="2800" dirty="0">
-              <a:solidFill>
-                <a:schemeClr val="tx1"/>
-              </a:solidFill>
-            </a:endParaRPr>
           </a:p>
         </p:txBody>
       </p:sp>
@@ -4907,18 +4791,13 @@
           <a:p>
             <a:pPr algn="ctr"/>
             <a:r>
-              <a:rPr lang="en-US" sz="2800" dirty="0" smtClean="0">
+              <a:rPr lang="en-US" sz="2800" dirty="0">
                 <a:solidFill>
                   <a:schemeClr val="tx1"/>
                 </a:solidFill>
               </a:rPr>
               <a:t>d</a:t>
             </a:r>
-            <a:endParaRPr lang="en-US" sz="2800" dirty="0">
-              <a:solidFill>
-                <a:schemeClr val="tx1"/>
-              </a:solidFill>
-            </a:endParaRPr>
           </a:p>
         </p:txBody>
       </p:sp>
@@ -4995,18 +4874,13 @@
           <a:p>
             <a:pPr algn="ctr"/>
             <a:r>
-              <a:rPr lang="en-US" sz="2800" dirty="0" smtClean="0">
+              <a:rPr lang="en-US" sz="2800" dirty="0">
                 <a:solidFill>
                   <a:schemeClr val="tx1"/>
                 </a:solidFill>
               </a:rPr>
               <a:t>c</a:t>
             </a:r>
-            <a:endParaRPr lang="en-US" sz="2800" dirty="0">
-              <a:solidFill>
-                <a:schemeClr val="tx1"/>
-              </a:solidFill>
-            </a:endParaRPr>
           </a:p>
         </p:txBody>
       </p:sp>
@@ -5092,7 +4966,7 @@
           <a:p>
             <a:pPr algn="ctr"/>
             <a:r>
-              <a:rPr lang="en-US" sz="2800" smtClean="0">
+              <a:rPr lang="en-US" sz="2800">
                 <a:solidFill>
                   <a:schemeClr val="tx1"/>
                 </a:solidFill>
@@ -5189,18 +5063,13 @@
           <a:p>
             <a:pPr algn="ctr"/>
             <a:r>
-              <a:rPr lang="en-US" sz="2800" dirty="0" smtClean="0">
+              <a:rPr lang="en-US" sz="2800" dirty="0">
                 <a:solidFill>
                   <a:schemeClr val="tx1"/>
                 </a:solidFill>
               </a:rPr>
               <a:t>i</a:t>
             </a:r>
-            <a:endParaRPr lang="en-US" sz="2800" dirty="0">
-              <a:solidFill>
-                <a:schemeClr val="tx1"/>
-              </a:solidFill>
-            </a:endParaRPr>
           </a:p>
         </p:txBody>
       </p:sp>
@@ -5286,18 +5155,13 @@
           <a:p>
             <a:pPr algn="ctr"/>
             <a:r>
-              <a:rPr lang="en-US" sz="2800" dirty="0" smtClean="0">
+              <a:rPr lang="en-US" sz="2800" dirty="0">
                 <a:solidFill>
                   <a:schemeClr val="tx1"/>
                 </a:solidFill>
               </a:rPr>
               <a:t>m</a:t>
             </a:r>
-            <a:endParaRPr lang="en-US" sz="2800" dirty="0">
-              <a:solidFill>
-                <a:schemeClr val="tx1"/>
-              </a:solidFill>
-            </a:endParaRPr>
           </a:p>
         </p:txBody>
       </p:sp>
@@ -5383,18 +5247,13 @@
           <a:p>
             <a:pPr algn="ctr"/>
             <a:r>
-              <a:rPr lang="en-US" sz="2800" dirty="0" smtClean="0">
+              <a:rPr lang="en-US" sz="2800" dirty="0">
                 <a:solidFill>
                   <a:schemeClr val="tx1"/>
                 </a:solidFill>
               </a:rPr>
               <a:t>e</a:t>
             </a:r>
-            <a:endParaRPr lang="en-US" sz="2800" dirty="0">
-              <a:solidFill>
-                <a:schemeClr val="tx1"/>
-              </a:solidFill>
-            </a:endParaRPr>
           </a:p>
         </p:txBody>
       </p:sp>
@@ -5480,18 +5339,13 @@
           <a:p>
             <a:pPr algn="ctr"/>
             <a:r>
-              <a:rPr lang="en-US" sz="2800" dirty="0" smtClean="0">
+              <a:rPr lang="en-US" sz="2800" dirty="0">
                 <a:solidFill>
                   <a:schemeClr val="tx1"/>
                 </a:solidFill>
               </a:rPr>
               <a:t>l</a:t>
             </a:r>
-            <a:endParaRPr lang="en-US" sz="2800" dirty="0">
-              <a:solidFill>
-                <a:schemeClr val="tx1"/>
-              </a:solidFill>
-            </a:endParaRPr>
           </a:p>
         </p:txBody>
       </p:sp>
@@ -5577,18 +5431,13 @@
           <a:p>
             <a:pPr algn="ctr"/>
             <a:r>
-              <a:rPr lang="en-US" sz="2800" dirty="0" smtClean="0">
+              <a:rPr lang="en-US" sz="2800" dirty="0">
                 <a:solidFill>
                   <a:schemeClr val="tx1"/>
                 </a:solidFill>
               </a:rPr>
               <a:t>l</a:t>
             </a:r>
-            <a:endParaRPr lang="en-US" sz="2800" dirty="0">
-              <a:solidFill>
-                <a:schemeClr val="tx1"/>
-              </a:solidFill>
-            </a:endParaRPr>
           </a:p>
         </p:txBody>
       </p:sp>
@@ -5674,18 +5523,13 @@
           <a:p>
             <a:pPr algn="ctr"/>
             <a:r>
-              <a:rPr lang="en-US" sz="2800" dirty="0" smtClean="0">
+              <a:rPr lang="en-US" sz="2800" dirty="0">
                 <a:solidFill>
                   <a:schemeClr val="tx1"/>
                 </a:solidFill>
               </a:rPr>
               <a:t>n</a:t>
             </a:r>
-            <a:endParaRPr lang="en-US" sz="2800" dirty="0">
-              <a:solidFill>
-                <a:schemeClr val="tx1"/>
-              </a:solidFill>
-            </a:endParaRPr>
           </a:p>
         </p:txBody>
       </p:sp>
@@ -5771,18 +5615,13 @@
           <a:p>
             <a:pPr algn="ctr"/>
             <a:r>
-              <a:rPr lang="en-US" sz="2800" dirty="0" smtClean="0">
+              <a:rPr lang="en-US" sz="2800" dirty="0">
                 <a:solidFill>
                   <a:schemeClr val="tx1"/>
                 </a:solidFill>
               </a:rPr>
               <a:t>d</a:t>
             </a:r>
-            <a:endParaRPr lang="en-US" sz="2800" dirty="0">
-              <a:solidFill>
-                <a:schemeClr val="tx1"/>
-              </a:solidFill>
-            </a:endParaRPr>
           </a:p>
         </p:txBody>
       </p:sp>
@@ -5868,18 +5707,13 @@
           <a:p>
             <a:pPr algn="ctr"/>
             <a:r>
-              <a:rPr lang="en-US" sz="2800" dirty="0" smtClean="0">
+              <a:rPr lang="en-US" sz="2800" dirty="0">
                 <a:solidFill>
                   <a:schemeClr val="tx1"/>
                 </a:solidFill>
               </a:rPr>
               <a:t>d</a:t>
             </a:r>
-            <a:endParaRPr lang="en-US" sz="2800" dirty="0">
-              <a:solidFill>
-                <a:schemeClr val="tx1"/>
-              </a:solidFill>
-            </a:endParaRPr>
           </a:p>
         </p:txBody>
       </p:sp>
@@ -5956,18 +5790,13 @@
           <a:p>
             <a:pPr algn="ctr"/>
             <a:r>
-              <a:rPr lang="en-US" sz="2800" dirty="0" smtClean="0">
+              <a:rPr lang="en-US" sz="2800" dirty="0">
                 <a:solidFill>
                   <a:schemeClr val="tx1"/>
                 </a:solidFill>
               </a:rPr>
               <a:t>m</a:t>
             </a:r>
-            <a:endParaRPr lang="en-US" sz="2800" dirty="0">
-              <a:solidFill>
-                <a:schemeClr val="tx1"/>
-              </a:solidFill>
-            </a:endParaRPr>
           </a:p>
         </p:txBody>
       </p:sp>
@@ -6053,18 +5882,13 @@
           <a:p>
             <a:pPr algn="ctr"/>
             <a:r>
-              <a:rPr lang="en-US" sz="2800" dirty="0" smtClean="0">
+              <a:rPr lang="en-US" sz="2800" dirty="0">
                 <a:solidFill>
                   <a:schemeClr val="tx1"/>
                 </a:solidFill>
               </a:rPr>
               <a:t>i</a:t>
             </a:r>
-            <a:endParaRPr lang="en-US" sz="2800" dirty="0">
-              <a:solidFill>
-                <a:schemeClr val="tx1"/>
-              </a:solidFill>
-            </a:endParaRPr>
           </a:p>
         </p:txBody>
       </p:sp>
@@ -6150,18 +5974,13 @@
           <a:p>
             <a:pPr algn="ctr"/>
             <a:r>
-              <a:rPr lang="en-US" sz="2800" dirty="0" smtClean="0">
+              <a:rPr lang="en-US" sz="2800" dirty="0">
                 <a:solidFill>
                   <a:schemeClr val="tx1"/>
                 </a:solidFill>
               </a:rPr>
               <a:t>e</a:t>
             </a:r>
-            <a:endParaRPr lang="en-US" sz="2800" dirty="0">
-              <a:solidFill>
-                <a:schemeClr val="tx1"/>
-              </a:solidFill>
-            </a:endParaRPr>
           </a:p>
         </p:txBody>
       </p:sp>
@@ -6247,18 +6066,13 @@
           <a:p>
             <a:pPr algn="ctr"/>
             <a:r>
-              <a:rPr lang="en-US" sz="2800" dirty="0" smtClean="0">
+              <a:rPr lang="en-US" sz="2800" dirty="0">
                 <a:solidFill>
                   <a:schemeClr val="tx1"/>
                 </a:solidFill>
               </a:rPr>
               <a:t>o</a:t>
             </a:r>
-            <a:endParaRPr lang="en-US" sz="2800" dirty="0">
-              <a:solidFill>
-                <a:schemeClr val="tx1"/>
-              </a:solidFill>
-            </a:endParaRPr>
           </a:p>
         </p:txBody>
       </p:sp>
@@ -6344,7 +6158,7 @@
           <a:p>
             <a:pPr algn="ctr"/>
             <a:r>
-              <a:rPr lang="en-US" sz="2800" smtClean="0">
+              <a:rPr lang="en-US" sz="2800">
                 <a:solidFill>
                   <a:schemeClr val="tx1"/>
                 </a:solidFill>
@@ -6441,18 +6255,13 @@
           <a:p>
             <a:pPr algn="ctr"/>
             <a:r>
-              <a:rPr lang="en-US" sz="2800" dirty="0" smtClean="0">
+              <a:rPr lang="en-US" sz="2800" dirty="0">
                 <a:solidFill>
                   <a:schemeClr val="tx1"/>
                 </a:solidFill>
               </a:rPr>
               <a:t>l</a:t>
             </a:r>
-            <a:endParaRPr lang="en-US" sz="2800" dirty="0">
-              <a:solidFill>
-                <a:schemeClr val="tx1"/>
-              </a:solidFill>
-            </a:endParaRPr>
           </a:p>
         </p:txBody>
       </p:sp>
@@ -6538,18 +6347,13 @@
           <a:p>
             <a:pPr algn="ctr"/>
             <a:r>
-              <a:rPr lang="en-US" sz="2800" dirty="0" smtClean="0">
+              <a:rPr lang="en-US" sz="2800" dirty="0">
                 <a:solidFill>
                   <a:schemeClr val="tx1"/>
                 </a:solidFill>
               </a:rPr>
               <a:t>k</a:t>
             </a:r>
-            <a:endParaRPr lang="en-US" sz="2800" dirty="0">
-              <a:solidFill>
-                <a:schemeClr val="tx1"/>
-              </a:solidFill>
-            </a:endParaRPr>
           </a:p>
         </p:txBody>
       </p:sp>
@@ -6596,18 +6400,13 @@
           <a:p>
             <a:pPr algn="ctr"/>
             <a:r>
-              <a:rPr lang="en-US" sz="2800" dirty="0" smtClean="0">
+              <a:rPr lang="en-US" sz="2800" dirty="0">
                 <a:solidFill>
                   <a:schemeClr val="tx1"/>
                 </a:solidFill>
               </a:rPr>
               <a:t>p</a:t>
             </a:r>
-            <a:endParaRPr lang="en-US" sz="2800" dirty="0">
-              <a:solidFill>
-                <a:schemeClr val="tx1"/>
-              </a:solidFill>
-            </a:endParaRPr>
           </a:p>
         </p:txBody>
       </p:sp>
@@ -6693,18 +6492,13 @@
           <a:p>
             <a:pPr algn="ctr"/>
             <a:r>
-              <a:rPr lang="en-US" sz="2800" dirty="0" smtClean="0">
+              <a:rPr lang="en-US" sz="2800" dirty="0">
                 <a:solidFill>
                   <a:schemeClr val="tx1"/>
                 </a:solidFill>
               </a:rPr>
               <a:t>x</a:t>
             </a:r>
-            <a:endParaRPr lang="en-US" sz="2800" dirty="0">
-              <a:solidFill>
-                <a:schemeClr val="tx1"/>
-              </a:solidFill>
-            </a:endParaRPr>
           </a:p>
         </p:txBody>
       </p:sp>
@@ -6790,18 +6584,13 @@
           <a:p>
             <a:pPr algn="ctr"/>
             <a:r>
-              <a:rPr lang="en-US" sz="2800" dirty="0" smtClean="0">
+              <a:rPr lang="en-US" sz="2800" dirty="0">
                 <a:solidFill>
                   <a:schemeClr val="tx1"/>
                 </a:solidFill>
               </a:rPr>
               <a:t>a</a:t>
             </a:r>
-            <a:endParaRPr lang="en-US" sz="2800" dirty="0">
-              <a:solidFill>
-                <a:schemeClr val="tx1"/>
-              </a:solidFill>
-            </a:endParaRPr>
           </a:p>
         </p:txBody>
       </p:sp>
@@ -6926,18 +6715,13 @@
           <a:p>
             <a:pPr algn="ctr"/>
             <a:r>
-              <a:rPr lang="en-US" sz="2800" dirty="0" smtClean="0">
+              <a:rPr lang="en-US" sz="2800" dirty="0">
                 <a:solidFill>
                   <a:schemeClr val="tx1"/>
                 </a:solidFill>
               </a:rPr>
               <a:t>e</a:t>
             </a:r>
-            <a:endParaRPr lang="en-US" sz="2800" dirty="0">
-              <a:solidFill>
-                <a:schemeClr val="tx1"/>
-              </a:solidFill>
-            </a:endParaRPr>
           </a:p>
         </p:txBody>
       </p:sp>
@@ -7014,18 +6798,13 @@
           <a:p>
             <a:pPr algn="ctr"/>
             <a:r>
-              <a:rPr lang="en-US" sz="2800" dirty="0" smtClean="0">
+              <a:rPr lang="en-US" sz="2800" dirty="0">
                 <a:solidFill>
                   <a:schemeClr val="tx1"/>
                 </a:solidFill>
               </a:rPr>
               <a:t>c</a:t>
             </a:r>
-            <a:endParaRPr lang="en-US" sz="2800" dirty="0">
-              <a:solidFill>
-                <a:schemeClr val="tx1"/>
-              </a:solidFill>
-            </a:endParaRPr>
           </a:p>
         </p:txBody>
       </p:sp>
@@ -7111,18 +6890,13 @@
           <a:p>
             <a:pPr algn="ctr"/>
             <a:r>
-              <a:rPr lang="en-US" sz="2800" dirty="0" smtClean="0">
+              <a:rPr lang="en-US" sz="2800" dirty="0">
                 <a:solidFill>
                   <a:schemeClr val="tx1"/>
                 </a:solidFill>
               </a:rPr>
               <a:t>a</a:t>
             </a:r>
-            <a:endParaRPr lang="en-US" sz="2800" dirty="0">
-              <a:solidFill>
-                <a:schemeClr val="tx1"/>
-              </a:solidFill>
-            </a:endParaRPr>
           </a:p>
         </p:txBody>
       </p:sp>
@@ -7208,18 +6982,13 @@
           <a:p>
             <a:pPr algn="ctr"/>
             <a:r>
-              <a:rPr lang="en-US" sz="2800" dirty="0" smtClean="0">
+              <a:rPr lang="en-US" sz="2800" dirty="0">
                 <a:solidFill>
                   <a:schemeClr val="tx1"/>
                 </a:solidFill>
               </a:rPr>
               <a:t>i</a:t>
             </a:r>
-            <a:endParaRPr lang="en-US" sz="2800" dirty="0">
-              <a:solidFill>
-                <a:schemeClr val="tx1"/>
-              </a:solidFill>
-            </a:endParaRPr>
           </a:p>
         </p:txBody>
       </p:sp>
@@ -7305,18 +7074,13 @@
           <a:p>
             <a:pPr algn="ctr"/>
             <a:r>
-              <a:rPr lang="en-US" sz="2800" dirty="0" smtClean="0">
+              <a:rPr lang="en-US" sz="2800" dirty="0">
                 <a:solidFill>
                   <a:schemeClr val="tx1"/>
                 </a:solidFill>
               </a:rPr>
               <a:t>m</a:t>
             </a:r>
-            <a:endParaRPr lang="en-US" sz="2800" dirty="0">
-              <a:solidFill>
-                <a:schemeClr val="tx1"/>
-              </a:solidFill>
-            </a:endParaRPr>
           </a:p>
         </p:txBody>
       </p:sp>
@@ -7402,18 +7166,13 @@
           <a:p>
             <a:pPr algn="ctr"/>
             <a:r>
-              <a:rPr lang="en-US" sz="2800" dirty="0" smtClean="0">
+              <a:rPr lang="en-US" sz="2800" dirty="0">
                 <a:solidFill>
                   <a:schemeClr val="tx1"/>
                 </a:solidFill>
               </a:rPr>
               <a:t>e</a:t>
             </a:r>
-            <a:endParaRPr lang="en-US" sz="2800" dirty="0">
-              <a:solidFill>
-                <a:schemeClr val="tx1"/>
-              </a:solidFill>
-            </a:endParaRPr>
           </a:p>
         </p:txBody>
       </p:sp>
@@ -7499,18 +7258,13 @@
           <a:p>
             <a:pPr algn="ctr"/>
             <a:r>
-              <a:rPr lang="en-US" sz="2800" dirty="0" smtClean="0">
+              <a:rPr lang="en-US" sz="2800" dirty="0">
                 <a:solidFill>
                   <a:schemeClr val="tx1"/>
                 </a:solidFill>
               </a:rPr>
               <a:t>l</a:t>
             </a:r>
-            <a:endParaRPr lang="en-US" sz="2800" dirty="0">
-              <a:solidFill>
-                <a:schemeClr val="tx1"/>
-              </a:solidFill>
-            </a:endParaRPr>
           </a:p>
         </p:txBody>
       </p:sp>
@@ -7596,18 +7350,13 @@
           <a:p>
             <a:pPr algn="ctr"/>
             <a:r>
-              <a:rPr lang="en-US" sz="2800" dirty="0" smtClean="0">
+              <a:rPr lang="en-US" sz="2800" dirty="0">
                 <a:solidFill>
                   <a:schemeClr val="tx1"/>
                 </a:solidFill>
               </a:rPr>
               <a:t>l</a:t>
             </a:r>
-            <a:endParaRPr lang="en-US" sz="2800" dirty="0">
-              <a:solidFill>
-                <a:schemeClr val="tx1"/>
-              </a:solidFill>
-            </a:endParaRPr>
           </a:p>
         </p:txBody>
       </p:sp>
@@ -7693,18 +7442,13 @@
           <a:p>
             <a:pPr algn="ctr"/>
             <a:r>
-              <a:rPr lang="en-US" sz="2800" dirty="0" smtClean="0">
+              <a:rPr lang="en-US" sz="2800" dirty="0">
                 <a:solidFill>
                   <a:schemeClr val="tx1"/>
                 </a:solidFill>
               </a:rPr>
               <a:t>n</a:t>
             </a:r>
-            <a:endParaRPr lang="en-US" sz="2800" dirty="0">
-              <a:solidFill>
-                <a:schemeClr val="tx1"/>
-              </a:solidFill>
-            </a:endParaRPr>
           </a:p>
         </p:txBody>
       </p:sp>
@@ -7790,18 +7534,13 @@
           <a:p>
             <a:pPr algn="ctr"/>
             <a:r>
-              <a:rPr lang="en-US" sz="2800" dirty="0" smtClean="0">
+              <a:rPr lang="en-US" sz="2800" dirty="0">
                 <a:solidFill>
                   <a:schemeClr val="tx1"/>
                 </a:solidFill>
               </a:rPr>
               <a:t>d</a:t>
             </a:r>
-            <a:endParaRPr lang="en-US" sz="2800" dirty="0">
-              <a:solidFill>
-                <a:schemeClr val="tx1"/>
-              </a:solidFill>
-            </a:endParaRPr>
           </a:p>
         </p:txBody>
       </p:sp>
@@ -7887,18 +7626,13 @@
           <a:p>
             <a:pPr algn="ctr"/>
             <a:r>
-              <a:rPr lang="en-US" sz="2800" dirty="0" smtClean="0">
+              <a:rPr lang="en-US" sz="2800" dirty="0">
                 <a:solidFill>
                   <a:schemeClr val="tx1"/>
                 </a:solidFill>
               </a:rPr>
               <a:t>d</a:t>
             </a:r>
-            <a:endParaRPr lang="en-US" sz="2800" dirty="0">
-              <a:solidFill>
-                <a:schemeClr val="tx1"/>
-              </a:solidFill>
-            </a:endParaRPr>
           </a:p>
         </p:txBody>
       </p:sp>
@@ -7981,18 +7715,13 @@
           <a:p>
             <a:pPr algn="ctr"/>
             <a:r>
-              <a:rPr lang="en-US" sz="2800" dirty="0" smtClean="0">
+              <a:rPr lang="en-US" sz="2800" dirty="0">
                 <a:solidFill>
                   <a:schemeClr val="tx1"/>
                 </a:solidFill>
               </a:rPr>
               <a:t>c</a:t>
             </a:r>
-            <a:endParaRPr lang="en-US" sz="2800" dirty="0">
-              <a:solidFill>
-                <a:schemeClr val="tx1"/>
-              </a:solidFill>
-            </a:endParaRPr>
           </a:p>
         </p:txBody>
       </p:sp>
@@ -8078,18 +7807,13 @@
           <a:p>
             <a:pPr algn="ctr"/>
             <a:r>
-              <a:rPr lang="en-US" sz="2800" dirty="0" smtClean="0">
+              <a:rPr lang="en-US" sz="2800" dirty="0">
                 <a:solidFill>
                   <a:schemeClr val="tx1"/>
                 </a:solidFill>
               </a:rPr>
               <a:t>a</a:t>
             </a:r>
-            <a:endParaRPr lang="en-US" sz="2800" dirty="0">
-              <a:solidFill>
-                <a:schemeClr val="tx1"/>
-              </a:solidFill>
-            </a:endParaRPr>
           </a:p>
         </p:txBody>
       </p:sp>
@@ -8174,18 +7898,13 @@
           <a:p>
             <a:pPr algn="ctr"/>
             <a:r>
-              <a:rPr lang="en-US" sz="2800" dirty="0" smtClean="0">
+              <a:rPr lang="en-US" sz="2800" dirty="0">
                 <a:solidFill>
                   <a:schemeClr val="tx1"/>
                 </a:solidFill>
               </a:rPr>
               <a:t>i</a:t>
             </a:r>
-            <a:endParaRPr lang="en-US" sz="2800" dirty="0">
-              <a:solidFill>
-                <a:schemeClr val="tx1"/>
-              </a:solidFill>
-            </a:endParaRPr>
           </a:p>
         </p:txBody>
       </p:sp>
@@ -8270,18 +7989,13 @@
           <a:p>
             <a:pPr algn="ctr"/>
             <a:r>
-              <a:rPr lang="en-US" sz="2800" dirty="0" smtClean="0">
+              <a:rPr lang="en-US" sz="2800" dirty="0">
                 <a:solidFill>
                   <a:schemeClr val="tx1"/>
                 </a:solidFill>
               </a:rPr>
               <a:t>m</a:t>
             </a:r>
-            <a:endParaRPr lang="en-US" sz="2800" dirty="0">
-              <a:solidFill>
-                <a:schemeClr val="tx1"/>
-              </a:solidFill>
-            </a:endParaRPr>
           </a:p>
         </p:txBody>
       </p:sp>
@@ -8364,18 +8078,13 @@
           <a:p>
             <a:pPr algn="ctr"/>
             <a:r>
-              <a:rPr lang="en-US" sz="2800" dirty="0" smtClean="0">
+              <a:rPr lang="en-US" sz="2800" dirty="0">
                 <a:solidFill>
                   <a:schemeClr val="tx1"/>
                 </a:solidFill>
               </a:rPr>
               <a:t>e</a:t>
             </a:r>
-            <a:endParaRPr lang="en-US" sz="2800" dirty="0">
-              <a:solidFill>
-                <a:schemeClr val="tx1"/>
-              </a:solidFill>
-            </a:endParaRPr>
           </a:p>
         </p:txBody>
       </p:sp>
@@ -8460,18 +8169,13 @@
           <a:p>
             <a:pPr algn="ctr"/>
             <a:r>
-              <a:rPr lang="en-US" sz="2800" dirty="0" smtClean="0">
+              <a:rPr lang="en-US" sz="2800" dirty="0">
                 <a:solidFill>
                   <a:schemeClr val="tx1"/>
                 </a:solidFill>
               </a:rPr>
               <a:t>l</a:t>
             </a:r>
-            <a:endParaRPr lang="en-US" sz="2800" dirty="0">
-              <a:solidFill>
-                <a:schemeClr val="tx1"/>
-              </a:solidFill>
-            </a:endParaRPr>
           </a:p>
         </p:txBody>
       </p:sp>
@@ -8554,18 +8258,13 @@
           <a:p>
             <a:pPr algn="ctr"/>
             <a:r>
-              <a:rPr lang="en-US" sz="2800" dirty="0" smtClean="0">
+              <a:rPr lang="en-US" sz="2800" dirty="0">
                 <a:solidFill>
                   <a:schemeClr val="tx1"/>
                 </a:solidFill>
               </a:rPr>
               <a:t>l</a:t>
             </a:r>
-            <a:endParaRPr lang="en-US" sz="2800" dirty="0">
-              <a:solidFill>
-                <a:schemeClr val="tx1"/>
-              </a:solidFill>
-            </a:endParaRPr>
           </a:p>
         </p:txBody>
       </p:sp>
@@ -8650,18 +8349,13 @@
           <a:p>
             <a:pPr algn="ctr"/>
             <a:r>
-              <a:rPr lang="en-US" sz="2800" dirty="0" smtClean="0">
+              <a:rPr lang="en-US" sz="2800" dirty="0">
                 <a:solidFill>
                   <a:schemeClr val="tx1"/>
                 </a:solidFill>
               </a:rPr>
               <a:t>n</a:t>
             </a:r>
-            <a:endParaRPr lang="en-US" sz="2800" dirty="0">
-              <a:solidFill>
-                <a:schemeClr val="tx1"/>
-              </a:solidFill>
-            </a:endParaRPr>
           </a:p>
         </p:txBody>
       </p:sp>
@@ -8744,18 +8438,13 @@
           <a:p>
             <a:pPr algn="ctr"/>
             <a:r>
-              <a:rPr lang="en-US" sz="2800" dirty="0" smtClean="0">
+              <a:rPr lang="en-US" sz="2800" dirty="0">
                 <a:solidFill>
                   <a:schemeClr val="tx1"/>
                 </a:solidFill>
               </a:rPr>
               <a:t>d</a:t>
             </a:r>
-            <a:endParaRPr lang="en-US" sz="2800" dirty="0">
-              <a:solidFill>
-                <a:schemeClr val="tx1"/>
-              </a:solidFill>
-            </a:endParaRPr>
           </a:p>
         </p:txBody>
       </p:sp>
@@ -8838,18 +8527,13 @@
           <a:p>
             <a:pPr algn="ctr"/>
             <a:r>
-              <a:rPr lang="en-US" sz="2800" dirty="0" smtClean="0">
+              <a:rPr lang="en-US" sz="2800" dirty="0">
                 <a:solidFill>
                   <a:schemeClr val="tx1"/>
                 </a:solidFill>
               </a:rPr>
               <a:t>d</a:t>
             </a:r>
-            <a:endParaRPr lang="en-US" sz="2800" dirty="0">
-              <a:solidFill>
-                <a:schemeClr val="tx1"/>
-              </a:solidFill>
-            </a:endParaRPr>
           </a:p>
         </p:txBody>
       </p:sp>
@@ -8926,18 +8610,13 @@
           <a:p>
             <a:pPr algn="ctr"/>
             <a:r>
-              <a:rPr lang="en-US" sz="2800" dirty="0" smtClean="0">
+              <a:rPr lang="en-US" sz="2800" dirty="0">
                 <a:solidFill>
                   <a:schemeClr val="tx1"/>
                 </a:solidFill>
               </a:rPr>
               <a:t>c</a:t>
             </a:r>
-            <a:endParaRPr lang="en-US" sz="2800" dirty="0">
-              <a:solidFill>
-                <a:schemeClr val="tx1"/>
-              </a:solidFill>
-            </a:endParaRPr>
           </a:p>
         </p:txBody>
       </p:sp>
@@ -9023,18 +8702,13 @@
           <a:p>
             <a:pPr algn="ctr"/>
             <a:r>
-              <a:rPr lang="en-US" sz="2800" dirty="0" smtClean="0">
+              <a:rPr lang="en-US" sz="2800" dirty="0">
                 <a:solidFill>
                   <a:schemeClr val="tx1"/>
                 </a:solidFill>
               </a:rPr>
               <a:t>a</a:t>
             </a:r>
-            <a:endParaRPr lang="en-US" sz="2800" dirty="0">
-              <a:solidFill>
-                <a:schemeClr val="tx1"/>
-              </a:solidFill>
-            </a:endParaRPr>
           </a:p>
         </p:txBody>
       </p:sp>
@@ -9120,18 +8794,13 @@
           <a:p>
             <a:pPr algn="ctr"/>
             <a:r>
-              <a:rPr lang="en-US" sz="2800" dirty="0" smtClean="0">
+              <a:rPr lang="en-US" sz="2800" dirty="0">
                 <a:solidFill>
                   <a:schemeClr val="tx1"/>
                 </a:solidFill>
               </a:rPr>
               <a:t>i</a:t>
             </a:r>
-            <a:endParaRPr lang="en-US" sz="2800" dirty="0">
-              <a:solidFill>
-                <a:schemeClr val="tx1"/>
-              </a:solidFill>
-            </a:endParaRPr>
           </a:p>
         </p:txBody>
       </p:sp>
@@ -9217,18 +8886,13 @@
           <a:p>
             <a:pPr algn="ctr"/>
             <a:r>
-              <a:rPr lang="en-US" sz="2800" dirty="0" smtClean="0">
+              <a:rPr lang="en-US" sz="2800" dirty="0">
                 <a:solidFill>
                   <a:schemeClr val="tx1"/>
                 </a:solidFill>
               </a:rPr>
               <a:t>m</a:t>
             </a:r>
-            <a:endParaRPr lang="en-US" sz="2800" dirty="0">
-              <a:solidFill>
-                <a:schemeClr val="tx1"/>
-              </a:solidFill>
-            </a:endParaRPr>
           </a:p>
         </p:txBody>
       </p:sp>
@@ -9314,18 +8978,13 @@
           <a:p>
             <a:pPr algn="ctr"/>
             <a:r>
-              <a:rPr lang="en-US" sz="2800" dirty="0" smtClean="0">
+              <a:rPr lang="en-US" sz="2800" dirty="0">
                 <a:solidFill>
                   <a:schemeClr val="tx1"/>
                 </a:solidFill>
               </a:rPr>
               <a:t>e</a:t>
             </a:r>
-            <a:endParaRPr lang="en-US" sz="2800" dirty="0">
-              <a:solidFill>
-                <a:schemeClr val="tx1"/>
-              </a:solidFill>
-            </a:endParaRPr>
           </a:p>
         </p:txBody>
       </p:sp>
@@ -9411,18 +9070,13 @@
           <a:p>
             <a:pPr algn="ctr"/>
             <a:r>
-              <a:rPr lang="en-US" sz="2800" dirty="0" smtClean="0">
+              <a:rPr lang="en-US" sz="2800" dirty="0">
                 <a:solidFill>
                   <a:schemeClr val="tx1"/>
                 </a:solidFill>
               </a:rPr>
               <a:t>l</a:t>
             </a:r>
-            <a:endParaRPr lang="en-US" sz="2800" dirty="0">
-              <a:solidFill>
-                <a:schemeClr val="tx1"/>
-              </a:solidFill>
-            </a:endParaRPr>
           </a:p>
         </p:txBody>
       </p:sp>
@@ -9508,18 +9162,13 @@
           <a:p>
             <a:pPr algn="ctr"/>
             <a:r>
-              <a:rPr lang="en-US" sz="2800" dirty="0" smtClean="0">
+              <a:rPr lang="en-US" sz="2800" dirty="0">
                 <a:solidFill>
                   <a:schemeClr val="tx1"/>
                 </a:solidFill>
               </a:rPr>
               <a:t>l</a:t>
             </a:r>
-            <a:endParaRPr lang="en-US" sz="2800" dirty="0">
-              <a:solidFill>
-                <a:schemeClr val="tx1"/>
-              </a:solidFill>
-            </a:endParaRPr>
           </a:p>
         </p:txBody>
       </p:sp>
@@ -9605,18 +9254,13 @@
           <a:p>
             <a:pPr algn="ctr"/>
             <a:r>
-              <a:rPr lang="en-US" sz="2800" dirty="0" smtClean="0">
+              <a:rPr lang="en-US" sz="2800" dirty="0">
                 <a:solidFill>
                   <a:schemeClr val="tx1"/>
                 </a:solidFill>
               </a:rPr>
               <a:t>n</a:t>
             </a:r>
-            <a:endParaRPr lang="en-US" sz="2800" dirty="0">
-              <a:solidFill>
-                <a:schemeClr val="tx1"/>
-              </a:solidFill>
-            </a:endParaRPr>
           </a:p>
         </p:txBody>
       </p:sp>
@@ -9702,18 +9346,13 @@
           <a:p>
             <a:pPr algn="ctr"/>
             <a:r>
-              <a:rPr lang="en-US" sz="2800" dirty="0" smtClean="0">
+              <a:rPr lang="en-US" sz="2800" dirty="0">
                 <a:solidFill>
                   <a:schemeClr val="tx1"/>
                 </a:solidFill>
               </a:rPr>
               <a:t>d</a:t>
             </a:r>
-            <a:endParaRPr lang="en-US" sz="2800" dirty="0">
-              <a:solidFill>
-                <a:schemeClr val="tx1"/>
-              </a:solidFill>
-            </a:endParaRPr>
           </a:p>
         </p:txBody>
       </p:sp>
@@ -9799,18 +9438,13 @@
           <a:p>
             <a:pPr algn="ctr"/>
             <a:r>
-              <a:rPr lang="en-US" sz="2800" dirty="0" smtClean="0">
+              <a:rPr lang="en-US" sz="2800" dirty="0">
                 <a:solidFill>
                   <a:schemeClr val="tx1"/>
                 </a:solidFill>
               </a:rPr>
               <a:t>d</a:t>
             </a:r>
-            <a:endParaRPr lang="en-US" sz="2800" dirty="0">
-              <a:solidFill>
-                <a:schemeClr val="tx1"/>
-              </a:solidFill>
-            </a:endParaRPr>
           </a:p>
         </p:txBody>
       </p:sp>
@@ -9893,18 +9527,13 @@
           <a:p>
             <a:pPr algn="ctr"/>
             <a:r>
-              <a:rPr lang="en-US" sz="2800" dirty="0" smtClean="0">
+              <a:rPr lang="en-US" sz="2800" dirty="0">
                 <a:solidFill>
                   <a:schemeClr val="tx1"/>
                 </a:solidFill>
               </a:rPr>
               <a:t>c</a:t>
             </a:r>
-            <a:endParaRPr lang="en-US" sz="2800" dirty="0">
-              <a:solidFill>
-                <a:schemeClr val="tx1"/>
-              </a:solidFill>
-            </a:endParaRPr>
           </a:p>
         </p:txBody>
       </p:sp>
@@ -9990,18 +9619,13 @@
           <a:p>
             <a:pPr algn="ctr"/>
             <a:r>
-              <a:rPr lang="en-US" sz="2800" dirty="0" smtClean="0">
+              <a:rPr lang="en-US" sz="2800" dirty="0">
                 <a:solidFill>
                   <a:schemeClr val="tx1"/>
                 </a:solidFill>
               </a:rPr>
               <a:t>a</a:t>
             </a:r>
-            <a:endParaRPr lang="en-US" sz="2800" dirty="0">
-              <a:solidFill>
-                <a:schemeClr val="tx1"/>
-              </a:solidFill>
-            </a:endParaRPr>
           </a:p>
         </p:txBody>
       </p:sp>
@@ -10086,18 +9710,13 @@
           <a:p>
             <a:pPr algn="ctr"/>
             <a:r>
-              <a:rPr lang="en-US" sz="2800" dirty="0" smtClean="0">
+              <a:rPr lang="en-US" sz="2800" dirty="0">
                 <a:solidFill>
                   <a:schemeClr val="tx1"/>
                 </a:solidFill>
               </a:rPr>
               <a:t>i</a:t>
             </a:r>
-            <a:endParaRPr lang="en-US" sz="2800" dirty="0">
-              <a:solidFill>
-                <a:schemeClr val="tx1"/>
-              </a:solidFill>
-            </a:endParaRPr>
           </a:p>
         </p:txBody>
       </p:sp>
@@ -10182,18 +9801,13 @@
           <a:p>
             <a:pPr algn="ctr"/>
             <a:r>
-              <a:rPr lang="en-US" sz="2800" dirty="0" smtClean="0">
+              <a:rPr lang="en-US" sz="2800" dirty="0">
                 <a:solidFill>
                   <a:schemeClr val="tx1"/>
                 </a:solidFill>
               </a:rPr>
               <a:t>m</a:t>
             </a:r>
-            <a:endParaRPr lang="en-US" sz="2800" dirty="0">
-              <a:solidFill>
-                <a:schemeClr val="tx1"/>
-              </a:solidFill>
-            </a:endParaRPr>
           </a:p>
         </p:txBody>
       </p:sp>
@@ -10276,18 +9890,13 @@
           <a:p>
             <a:pPr algn="ctr"/>
             <a:r>
-              <a:rPr lang="en-US" sz="2800" dirty="0" smtClean="0">
+              <a:rPr lang="en-US" sz="2800" dirty="0">
                 <a:solidFill>
                   <a:schemeClr val="tx1"/>
                 </a:solidFill>
               </a:rPr>
               <a:t>e</a:t>
             </a:r>
-            <a:endParaRPr lang="en-US" sz="2800" dirty="0">
-              <a:solidFill>
-                <a:schemeClr val="tx1"/>
-              </a:solidFill>
-            </a:endParaRPr>
           </a:p>
         </p:txBody>
       </p:sp>
@@ -10372,18 +9981,13 @@
           <a:p>
             <a:pPr algn="ctr"/>
             <a:r>
-              <a:rPr lang="en-US" sz="2800" dirty="0" smtClean="0">
+              <a:rPr lang="en-US" sz="2800" dirty="0">
                 <a:solidFill>
                   <a:schemeClr val="tx1"/>
                 </a:solidFill>
               </a:rPr>
               <a:t>l</a:t>
             </a:r>
-            <a:endParaRPr lang="en-US" sz="2800" dirty="0">
-              <a:solidFill>
-                <a:schemeClr val="tx1"/>
-              </a:solidFill>
-            </a:endParaRPr>
           </a:p>
         </p:txBody>
       </p:sp>
@@ -10466,18 +10070,13 @@
           <a:p>
             <a:pPr algn="ctr"/>
             <a:r>
-              <a:rPr lang="en-US" sz="2800" dirty="0" smtClean="0">
+              <a:rPr lang="en-US" sz="2800" dirty="0">
                 <a:solidFill>
                   <a:schemeClr val="tx1"/>
                 </a:solidFill>
               </a:rPr>
               <a:t>l</a:t>
             </a:r>
-            <a:endParaRPr lang="en-US" sz="2800" dirty="0">
-              <a:solidFill>
-                <a:schemeClr val="tx1"/>
-              </a:solidFill>
-            </a:endParaRPr>
           </a:p>
         </p:txBody>
       </p:sp>
@@ -10562,18 +10161,13 @@
           <a:p>
             <a:pPr algn="ctr"/>
             <a:r>
-              <a:rPr lang="en-US" sz="2800" dirty="0" smtClean="0">
+              <a:rPr lang="en-US" sz="2800" dirty="0">
                 <a:solidFill>
                   <a:schemeClr val="tx1"/>
                 </a:solidFill>
               </a:rPr>
               <a:t>n</a:t>
             </a:r>
-            <a:endParaRPr lang="en-US" sz="2800" dirty="0">
-              <a:solidFill>
-                <a:schemeClr val="tx1"/>
-              </a:solidFill>
-            </a:endParaRPr>
           </a:p>
         </p:txBody>
       </p:sp>
@@ -10656,18 +10250,13 @@
           <a:p>
             <a:pPr algn="ctr"/>
             <a:r>
-              <a:rPr lang="en-US" sz="2800" dirty="0" smtClean="0">
+              <a:rPr lang="en-US" sz="2800" dirty="0">
                 <a:solidFill>
                   <a:schemeClr val="tx1"/>
                 </a:solidFill>
               </a:rPr>
               <a:t>d</a:t>
             </a:r>
-            <a:endParaRPr lang="en-US" sz="2800" dirty="0">
-              <a:solidFill>
-                <a:schemeClr val="tx1"/>
-              </a:solidFill>
-            </a:endParaRPr>
           </a:p>
         </p:txBody>
       </p:sp>
@@ -10750,18 +10339,13 @@
           <a:p>
             <a:pPr algn="ctr"/>
             <a:r>
-              <a:rPr lang="en-US" sz="2800" dirty="0" smtClean="0">
+              <a:rPr lang="en-US" sz="2800" dirty="0">
                 <a:solidFill>
                   <a:schemeClr val="tx1"/>
                 </a:solidFill>
               </a:rPr>
               <a:t>d</a:t>
             </a:r>
-            <a:endParaRPr lang="en-US" sz="2800" dirty="0">
-              <a:solidFill>
-                <a:schemeClr val="tx1"/>
-              </a:solidFill>
-            </a:endParaRPr>
           </a:p>
         </p:txBody>
       </p:sp>
@@ -10808,18 +10392,13 @@
           <a:p>
             <a:pPr algn="ctr"/>
             <a:r>
-              <a:rPr lang="en-US" sz="2800" dirty="0" smtClean="0">
+              <a:rPr lang="en-US" sz="2800" dirty="0">
                 <a:solidFill>
                   <a:schemeClr val="tx1"/>
                 </a:solidFill>
               </a:rPr>
               <a:t>b</a:t>
             </a:r>
-            <a:endParaRPr lang="en-US" sz="2800" dirty="0">
-              <a:solidFill>
-                <a:schemeClr val="tx1"/>
-              </a:solidFill>
-            </a:endParaRPr>
           </a:p>
         </p:txBody>
       </p:sp>
@@ -10944,18 +10523,13 @@
           <a:p>
             <a:pPr algn="ctr"/>
             <a:r>
-              <a:rPr lang="en-US" sz="2800" dirty="0" smtClean="0">
+              <a:rPr lang="en-US" sz="2800" dirty="0">
                 <a:solidFill>
                   <a:schemeClr val="tx1"/>
                 </a:solidFill>
               </a:rPr>
               <a:t>s</a:t>
             </a:r>
-            <a:endParaRPr lang="en-US" sz="2800" dirty="0">
-              <a:solidFill>
-                <a:schemeClr val="tx1"/>
-              </a:solidFill>
-            </a:endParaRPr>
           </a:p>
         </p:txBody>
       </p:sp>
@@ -11032,18 +10606,13 @@
           <a:p>
             <a:pPr algn="ctr"/>
             <a:r>
-              <a:rPr lang="en-US" sz="2800" dirty="0" smtClean="0">
+              <a:rPr lang="en-US" sz="2800" dirty="0">
                 <a:solidFill>
                   <a:schemeClr val="tx1"/>
                 </a:solidFill>
               </a:rPr>
               <a:t>c</a:t>
             </a:r>
-            <a:endParaRPr lang="en-US" sz="2800" dirty="0">
-              <a:solidFill>
-                <a:schemeClr val="tx1"/>
-              </a:solidFill>
-            </a:endParaRPr>
           </a:p>
         </p:txBody>
       </p:sp>
@@ -11129,18 +10698,13 @@
           <a:p>
             <a:pPr algn="ctr"/>
             <a:r>
-              <a:rPr lang="en-US" sz="2800" dirty="0" smtClean="0">
+              <a:rPr lang="en-US" sz="2800" dirty="0">
                 <a:solidFill>
                   <a:schemeClr val="tx1"/>
                 </a:solidFill>
               </a:rPr>
               <a:t>r</a:t>
             </a:r>
-            <a:endParaRPr lang="en-US" sz="2800" dirty="0">
-              <a:solidFill>
-                <a:schemeClr val="tx1"/>
-              </a:solidFill>
-            </a:endParaRPr>
           </a:p>
         </p:txBody>
       </p:sp>
@@ -11226,18 +10790,13 @@
           <a:p>
             <a:pPr algn="ctr"/>
             <a:r>
-              <a:rPr lang="en-US" sz="2800" dirty="0" smtClean="0">
+              <a:rPr lang="en-US" sz="2800" dirty="0">
                 <a:solidFill>
                   <a:schemeClr val="tx1"/>
                 </a:solidFill>
               </a:rPr>
               <a:t>e</a:t>
             </a:r>
-            <a:endParaRPr lang="en-US" sz="2800" dirty="0">
-              <a:solidFill>
-                <a:schemeClr val="tx1"/>
-              </a:solidFill>
-            </a:endParaRPr>
           </a:p>
         </p:txBody>
       </p:sp>
@@ -11323,18 +10882,13 @@
           <a:p>
             <a:pPr algn="ctr"/>
             <a:r>
-              <a:rPr lang="en-US" sz="2800" dirty="0" smtClean="0">
+              <a:rPr lang="en-US" sz="2800" dirty="0">
                 <a:solidFill>
                   <a:schemeClr val="tx1"/>
                 </a:solidFill>
               </a:rPr>
               <a:t>e</a:t>
             </a:r>
-            <a:endParaRPr lang="en-US" sz="2800" dirty="0">
-              <a:solidFill>
-                <a:schemeClr val="tx1"/>
-              </a:solidFill>
-            </a:endParaRPr>
           </a:p>
         </p:txBody>
       </p:sp>
@@ -11420,18 +10974,13 @@
           <a:p>
             <a:pPr algn="ctr"/>
             <a:r>
-              <a:rPr lang="en-US" sz="2800" dirty="0" smtClean="0">
+              <a:rPr lang="en-US" sz="2800" dirty="0">
                 <a:solidFill>
                   <a:schemeClr val="tx1"/>
                 </a:solidFill>
               </a:rPr>
               <a:t>a</a:t>
             </a:r>
-            <a:endParaRPr lang="en-US" sz="2800" dirty="0">
-              <a:solidFill>
-                <a:schemeClr val="tx1"/>
-              </a:solidFill>
-            </a:endParaRPr>
           </a:p>
         </p:txBody>
       </p:sp>
@@ -11517,18 +11066,13 @@
           <a:p>
             <a:pPr algn="ctr"/>
             <a:r>
-              <a:rPr lang="en-US" sz="2800" dirty="0" smtClean="0">
+              <a:rPr lang="en-US" sz="2800" dirty="0">
                 <a:solidFill>
                   <a:schemeClr val="tx1"/>
                 </a:solidFill>
               </a:rPr>
               <a:t>h</a:t>
             </a:r>
-            <a:endParaRPr lang="en-US" sz="2800" dirty="0">
-              <a:solidFill>
-                <a:schemeClr val="tx1"/>
-              </a:solidFill>
-            </a:endParaRPr>
           </a:p>
         </p:txBody>
       </p:sp>
@@ -11575,7 +11119,7 @@
           <a:p>
             <a:pPr algn="ctr"/>
             <a:r>
-              <a:rPr lang="en-US" sz="2800" smtClean="0">
+              <a:rPr lang="en-US" sz="2800">
                 <a:solidFill>
                   <a:schemeClr val="tx1"/>
                 </a:solidFill>

--- a/figures/Chapter 6 - Implementing a Dictionary/6.7 Using Ternary Search Trees.pptx
+++ b/figures/Chapter 6 - Implementing a Dictionary/6.7 Using Ternary Search Trees.pptx
@@ -248,7 +248,7 @@
           <a:p>
             <a:fld id="{6F6848EA-1330-4482-9267-AB3643ACFD86}" type="datetimeFigureOut">
               <a:rPr lang="en-US" smtClean="0"/>
-              <a:t>5/8/18</a:t>
+              <a:t>9/24/18</a:t>
             </a:fld>
             <a:endParaRPr lang="en-US"/>
           </a:p>
@@ -416,7 +416,7 @@
           <a:p>
             <a:fld id="{6F6848EA-1330-4482-9267-AB3643ACFD86}" type="datetimeFigureOut">
               <a:rPr lang="en-US" smtClean="0"/>
-              <a:t>5/8/18</a:t>
+              <a:t>9/24/18</a:t>
             </a:fld>
             <a:endParaRPr lang="en-US"/>
           </a:p>
@@ -594,7 +594,7 @@
           <a:p>
             <a:fld id="{6F6848EA-1330-4482-9267-AB3643ACFD86}" type="datetimeFigureOut">
               <a:rPr lang="en-US" smtClean="0"/>
-              <a:t>5/8/18</a:t>
+              <a:t>9/24/18</a:t>
             </a:fld>
             <a:endParaRPr lang="en-US"/>
           </a:p>
@@ -762,7 +762,7 @@
           <a:p>
             <a:fld id="{6F6848EA-1330-4482-9267-AB3643ACFD86}" type="datetimeFigureOut">
               <a:rPr lang="en-US" smtClean="0"/>
-              <a:t>5/8/18</a:t>
+              <a:t>9/24/18</a:t>
             </a:fld>
             <a:endParaRPr lang="en-US"/>
           </a:p>
@@ -1007,7 +1007,7 @@
           <a:p>
             <a:fld id="{6F6848EA-1330-4482-9267-AB3643ACFD86}" type="datetimeFigureOut">
               <a:rPr lang="en-US" smtClean="0"/>
-              <a:t>5/8/18</a:t>
+              <a:t>9/24/18</a:t>
             </a:fld>
             <a:endParaRPr lang="en-US"/>
           </a:p>
@@ -1236,7 +1236,7 @@
           <a:p>
             <a:fld id="{6F6848EA-1330-4482-9267-AB3643ACFD86}" type="datetimeFigureOut">
               <a:rPr lang="en-US" smtClean="0"/>
-              <a:t>5/8/18</a:t>
+              <a:t>9/24/18</a:t>
             </a:fld>
             <a:endParaRPr lang="en-US"/>
           </a:p>
@@ -1600,7 +1600,7 @@
           <a:p>
             <a:fld id="{6F6848EA-1330-4482-9267-AB3643ACFD86}" type="datetimeFigureOut">
               <a:rPr lang="en-US" smtClean="0"/>
-              <a:t>5/8/18</a:t>
+              <a:t>9/24/18</a:t>
             </a:fld>
             <a:endParaRPr lang="en-US"/>
           </a:p>
@@ -1717,7 +1717,7 @@
           <a:p>
             <a:fld id="{6F6848EA-1330-4482-9267-AB3643ACFD86}" type="datetimeFigureOut">
               <a:rPr lang="en-US" smtClean="0"/>
-              <a:t>5/8/18</a:t>
+              <a:t>9/24/18</a:t>
             </a:fld>
             <a:endParaRPr lang="en-US"/>
           </a:p>
@@ -1812,7 +1812,7 @@
           <a:p>
             <a:fld id="{6F6848EA-1330-4482-9267-AB3643ACFD86}" type="datetimeFigureOut">
               <a:rPr lang="en-US" smtClean="0"/>
-              <a:t>5/8/18</a:t>
+              <a:t>9/24/18</a:t>
             </a:fld>
             <a:endParaRPr lang="en-US"/>
           </a:p>
@@ -2087,7 +2087,7 @@
           <a:p>
             <a:fld id="{6F6848EA-1330-4482-9267-AB3643ACFD86}" type="datetimeFigureOut">
               <a:rPr lang="en-US" smtClean="0"/>
-              <a:t>5/8/18</a:t>
+              <a:t>9/24/18</a:t>
             </a:fld>
             <a:endParaRPr lang="en-US"/>
           </a:p>
@@ -2339,7 +2339,7 @@
           <a:p>
             <a:fld id="{6F6848EA-1330-4482-9267-AB3643ACFD86}" type="datetimeFigureOut">
               <a:rPr lang="en-US" smtClean="0"/>
-              <a:t>5/8/18</a:t>
+              <a:t>9/24/18</a:t>
             </a:fld>
             <a:endParaRPr lang="en-US"/>
           </a:p>
@@ -2550,7 +2550,7 @@
           <a:p>
             <a:fld id="{6F6848EA-1330-4482-9267-AB3643ACFD86}" type="datetimeFigureOut">
               <a:rPr lang="en-US" smtClean="0"/>
-              <a:t>5/8/18</a:t>
+              <a:t>9/24/18</a:t>
             </a:fld>
             <a:endParaRPr lang="en-US"/>
           </a:p>
@@ -10313,7 +10313,7 @@
           <a:noFill/>
           <a:ln w="28575">
             <a:solidFill>
-              <a:schemeClr val="tx1"/>
+              <a:srgbClr val="00B0F0"/>
             </a:solidFill>
           </a:ln>
         </p:spPr>
